--- a/documentos/Banner_FECAP_NCC4_Enrolados.pptx
+++ b/documentos/Banner_FECAP_NCC4_Enrolados.pptx
@@ -34,7 +34,7 @@
       </p:grpSpPr>
       <p:sp>
         <p:nvSpPr>
-          <p:cNvPr id="7" name="PlaceHolder 1"/>
+          <p:cNvPr id="6" name="PlaceHolder 1"/>
           <p:cNvSpPr>
             <a:spLocks noGrp="1"/>
           </p:cNvSpPr>
@@ -81,7 +81,7 @@
       </p:sp>
       <p:sp>
         <p:nvSpPr>
-          <p:cNvPr id="8" name="PlaceHolder 2"/>
+          <p:cNvPr id="7" name="PlaceHolder 2"/>
           <p:cNvSpPr>
             <a:spLocks noGrp="1"/>
           </p:cNvSpPr>
@@ -117,7 +117,331 @@
                 </a:solidFill>
                 <a:latin typeface="Arial"/>
               </a:rPr>
-              <a:t>Clique para editar o formato de notas</a:t>
+              <a:t>C</a:t>
+            </a:r>
+            <a:r>
+              <a:rPr b="0" lang="pt-BR" sz="2000" spc="-1" strike="noStrike">
+                <a:solidFill>
+                  <a:srgbClr val="000000"/>
+                </a:solidFill>
+                <a:latin typeface="Arial"/>
+              </a:rPr>
+              <a:t>l</a:t>
+            </a:r>
+            <a:r>
+              <a:rPr b="0" lang="pt-BR" sz="2000" spc="-1" strike="noStrike">
+                <a:solidFill>
+                  <a:srgbClr val="000000"/>
+                </a:solidFill>
+                <a:latin typeface="Arial"/>
+              </a:rPr>
+              <a:t>i</a:t>
+            </a:r>
+            <a:r>
+              <a:rPr b="0" lang="pt-BR" sz="2000" spc="-1" strike="noStrike">
+                <a:solidFill>
+                  <a:srgbClr val="000000"/>
+                </a:solidFill>
+                <a:latin typeface="Arial"/>
+              </a:rPr>
+              <a:t>q</a:t>
+            </a:r>
+            <a:r>
+              <a:rPr b="0" lang="pt-BR" sz="2000" spc="-1" strike="noStrike">
+                <a:solidFill>
+                  <a:srgbClr val="000000"/>
+                </a:solidFill>
+                <a:latin typeface="Arial"/>
+              </a:rPr>
+              <a:t>u</a:t>
+            </a:r>
+            <a:r>
+              <a:rPr b="0" lang="pt-BR" sz="2000" spc="-1" strike="noStrike">
+                <a:solidFill>
+                  <a:srgbClr val="000000"/>
+                </a:solidFill>
+                <a:latin typeface="Arial"/>
+              </a:rPr>
+              <a:t>e</a:t>
+            </a:r>
+            <a:r>
+              <a:rPr b="0" lang="pt-BR" sz="2000" spc="-1" strike="noStrike">
+                <a:solidFill>
+                  <a:srgbClr val="000000"/>
+                </a:solidFill>
+                <a:latin typeface="Arial"/>
+              </a:rPr>
+              <a:t> </a:t>
+            </a:r>
+            <a:r>
+              <a:rPr b="0" lang="pt-BR" sz="2000" spc="-1" strike="noStrike">
+                <a:solidFill>
+                  <a:srgbClr val="000000"/>
+                </a:solidFill>
+                <a:latin typeface="Arial"/>
+              </a:rPr>
+              <a:t>p</a:t>
+            </a:r>
+            <a:r>
+              <a:rPr b="0" lang="pt-BR" sz="2000" spc="-1" strike="noStrike">
+                <a:solidFill>
+                  <a:srgbClr val="000000"/>
+                </a:solidFill>
+                <a:latin typeface="Arial"/>
+              </a:rPr>
+              <a:t>a</a:t>
+            </a:r>
+            <a:r>
+              <a:rPr b="0" lang="pt-BR" sz="2000" spc="-1" strike="noStrike">
+                <a:solidFill>
+                  <a:srgbClr val="000000"/>
+                </a:solidFill>
+                <a:latin typeface="Arial"/>
+              </a:rPr>
+              <a:t>r</a:t>
+            </a:r>
+            <a:r>
+              <a:rPr b="0" lang="pt-BR" sz="2000" spc="-1" strike="noStrike">
+                <a:solidFill>
+                  <a:srgbClr val="000000"/>
+                </a:solidFill>
+                <a:latin typeface="Arial"/>
+              </a:rPr>
+              <a:t>a</a:t>
+            </a:r>
+            <a:r>
+              <a:rPr b="0" lang="pt-BR" sz="2000" spc="-1" strike="noStrike">
+                <a:solidFill>
+                  <a:srgbClr val="000000"/>
+                </a:solidFill>
+                <a:latin typeface="Arial"/>
+              </a:rPr>
+              <a:t> </a:t>
+            </a:r>
+            <a:r>
+              <a:rPr b="0" lang="pt-BR" sz="2000" spc="-1" strike="noStrike">
+                <a:solidFill>
+                  <a:srgbClr val="000000"/>
+                </a:solidFill>
+                <a:latin typeface="Arial"/>
+              </a:rPr>
+              <a:t>e</a:t>
+            </a:r>
+            <a:r>
+              <a:rPr b="0" lang="pt-BR" sz="2000" spc="-1" strike="noStrike">
+                <a:solidFill>
+                  <a:srgbClr val="000000"/>
+                </a:solidFill>
+                <a:latin typeface="Arial"/>
+              </a:rPr>
+              <a:t>d</a:t>
+            </a:r>
+            <a:r>
+              <a:rPr b="0" lang="pt-BR" sz="2000" spc="-1" strike="noStrike">
+                <a:solidFill>
+                  <a:srgbClr val="000000"/>
+                </a:solidFill>
+                <a:latin typeface="Arial"/>
+              </a:rPr>
+              <a:t>i</a:t>
+            </a:r>
+            <a:r>
+              <a:rPr b="0" lang="pt-BR" sz="2000" spc="-1" strike="noStrike">
+                <a:solidFill>
+                  <a:srgbClr val="000000"/>
+                </a:solidFill>
+                <a:latin typeface="Arial"/>
+              </a:rPr>
+              <a:t>t</a:t>
+            </a:r>
+            <a:r>
+              <a:rPr b="0" lang="pt-BR" sz="2000" spc="-1" strike="noStrike">
+                <a:solidFill>
+                  <a:srgbClr val="000000"/>
+                </a:solidFill>
+                <a:latin typeface="Arial"/>
+              </a:rPr>
+              <a:t>a</a:t>
+            </a:r>
+            <a:r>
+              <a:rPr b="0" lang="pt-BR" sz="2000" spc="-1" strike="noStrike">
+                <a:solidFill>
+                  <a:srgbClr val="000000"/>
+                </a:solidFill>
+                <a:latin typeface="Arial"/>
+              </a:rPr>
+              <a:t>r</a:t>
+            </a:r>
+            <a:r>
+              <a:rPr b="0" lang="pt-BR" sz="2000" spc="-1" strike="noStrike">
+                <a:solidFill>
+                  <a:srgbClr val="000000"/>
+                </a:solidFill>
+                <a:latin typeface="Arial"/>
+              </a:rPr>
+              <a:t> </a:t>
+            </a:r>
+            <a:r>
+              <a:rPr b="0" lang="pt-BR" sz="2000" spc="-1" strike="noStrike">
+                <a:solidFill>
+                  <a:srgbClr val="000000"/>
+                </a:solidFill>
+                <a:latin typeface="Arial"/>
+              </a:rPr>
+              <a:t>o</a:t>
+            </a:r>
+            <a:r>
+              <a:rPr b="0" lang="pt-BR" sz="2000" spc="-1" strike="noStrike">
+                <a:solidFill>
+                  <a:srgbClr val="000000"/>
+                </a:solidFill>
+                <a:latin typeface="Arial"/>
+              </a:rPr>
+              <a:t> </a:t>
+            </a:r>
+            <a:r>
+              <a:rPr b="0" lang="pt-BR" sz="2000" spc="-1" strike="noStrike">
+                <a:solidFill>
+                  <a:srgbClr val="000000"/>
+                </a:solidFill>
+                <a:latin typeface="Arial"/>
+              </a:rPr>
+              <a:t>f</a:t>
+            </a:r>
+            <a:r>
+              <a:rPr b="0" lang="pt-BR" sz="2000" spc="-1" strike="noStrike">
+                <a:solidFill>
+                  <a:srgbClr val="000000"/>
+                </a:solidFill>
+                <a:latin typeface="Arial"/>
+              </a:rPr>
+              <a:t>o</a:t>
+            </a:r>
+            <a:r>
+              <a:rPr b="0" lang="pt-BR" sz="2000" spc="-1" strike="noStrike">
+                <a:solidFill>
+                  <a:srgbClr val="000000"/>
+                </a:solidFill>
+                <a:latin typeface="Arial"/>
+              </a:rPr>
+              <a:t>r</a:t>
+            </a:r>
+            <a:r>
+              <a:rPr b="0" lang="pt-BR" sz="2000" spc="-1" strike="noStrike">
+                <a:solidFill>
+                  <a:srgbClr val="000000"/>
+                </a:solidFill>
+                <a:latin typeface="Arial"/>
+              </a:rPr>
+              <a:t>m</a:t>
+            </a:r>
+            <a:r>
+              <a:rPr b="0" lang="pt-BR" sz="2000" spc="-1" strike="noStrike">
+                <a:solidFill>
+                  <a:srgbClr val="000000"/>
+                </a:solidFill>
+                <a:latin typeface="Arial"/>
+              </a:rPr>
+              <a:t>a</a:t>
+            </a:r>
+            <a:r>
+              <a:rPr b="0" lang="pt-BR" sz="2000" spc="-1" strike="noStrike">
+                <a:solidFill>
+                  <a:srgbClr val="000000"/>
+                </a:solidFill>
+                <a:latin typeface="Arial"/>
+              </a:rPr>
+              <a:t>t</a:t>
+            </a:r>
+            <a:r>
+              <a:rPr b="0" lang="pt-BR" sz="2000" spc="-1" strike="noStrike">
+                <a:solidFill>
+                  <a:srgbClr val="000000"/>
+                </a:solidFill>
+                <a:latin typeface="Arial"/>
+              </a:rPr>
+              <a:t>o</a:t>
+            </a:r>
+            <a:r>
+              <a:rPr b="0" lang="pt-BR" sz="2000" spc="-1" strike="noStrike">
+                <a:solidFill>
+                  <a:srgbClr val="000000"/>
+                </a:solidFill>
+                <a:latin typeface="Arial"/>
+              </a:rPr>
+              <a:t> </a:t>
+            </a:r>
+            <a:r>
+              <a:rPr b="0" lang="pt-BR" sz="2000" spc="-1" strike="noStrike">
+                <a:solidFill>
+                  <a:srgbClr val="000000"/>
+                </a:solidFill>
+                <a:latin typeface="Arial"/>
+              </a:rPr>
+              <a:t>d</a:t>
+            </a:r>
+            <a:r>
+              <a:rPr b="0" lang="pt-BR" sz="2000" spc="-1" strike="noStrike">
+                <a:solidFill>
+                  <a:srgbClr val="000000"/>
+                </a:solidFill>
+                <a:latin typeface="Arial"/>
+              </a:rPr>
+              <a:t>e</a:t>
+            </a:r>
+            <a:r>
+              <a:rPr b="0" lang="pt-BR" sz="2000" spc="-1" strike="noStrike">
+                <a:solidFill>
+                  <a:srgbClr val="000000"/>
+                </a:solidFill>
+                <a:latin typeface="Arial"/>
+              </a:rPr>
+              <a:t> </a:t>
+            </a:r>
+            <a:r>
+              <a:rPr b="0" lang="pt-BR" sz="2000" spc="-1" strike="noStrike">
+                <a:solidFill>
+                  <a:srgbClr val="000000"/>
+                </a:solidFill>
+                <a:latin typeface="Arial"/>
+              </a:rPr>
+              <a:t>n</a:t>
+            </a:r>
+            <a:r>
+              <a:rPr b="0" lang="pt-BR" sz="2000" spc="-1" strike="noStrike">
+                <a:solidFill>
+                  <a:srgbClr val="000000"/>
+                </a:solidFill>
+                <a:latin typeface="Arial"/>
+              </a:rPr>
+              <a:t>o</a:t>
+            </a:r>
+            <a:r>
+              <a:rPr b="0" lang="pt-BR" sz="2000" spc="-1" strike="noStrike">
+                <a:solidFill>
+                  <a:srgbClr val="000000"/>
+                </a:solidFill>
+                <a:latin typeface="Arial"/>
+              </a:rPr>
+              <a:t>t</a:t>
+            </a:r>
+            <a:r>
+              <a:rPr b="0" lang="pt-BR" sz="2000" spc="-1" strike="noStrike">
+                <a:solidFill>
+                  <a:srgbClr val="000000"/>
+                </a:solidFill>
+                <a:latin typeface="Arial"/>
+              </a:rPr>
+              <a:t>a</a:t>
+            </a:r>
+            <a:r>
+              <a:rPr b="0" lang="pt-BR" sz="2000" spc="-1" strike="noStrike">
+                <a:solidFill>
+                  <a:srgbClr val="000000"/>
+                </a:solidFill>
+                <a:latin typeface="Arial"/>
+              </a:rPr>
+              <a:t>s</a:t>
             </a:r>
             <a:endParaRPr b="0" lang="pt-BR" sz="2000" spc="-1" strike="noStrike">
               <a:solidFill>
@@ -130,7 +454,7 @@
       </p:sp>
       <p:sp>
         <p:nvSpPr>
-          <p:cNvPr id="9" name="PlaceHolder 3"/>
+          <p:cNvPr id="8" name="PlaceHolder 3"/>
           <p:cNvSpPr>
             <a:spLocks noGrp="1"/>
           </p:cNvSpPr>
@@ -179,7 +503,7 @@
       </p:sp>
       <p:sp>
         <p:nvSpPr>
-          <p:cNvPr id="10" name="PlaceHolder 4"/>
+          <p:cNvPr id="9" name="PlaceHolder 4"/>
           <p:cNvSpPr>
             <a:spLocks noGrp="1"/>
           </p:cNvSpPr>
@@ -239,7 +563,7 @@
       </p:sp>
       <p:sp>
         <p:nvSpPr>
-          <p:cNvPr id="11" name="PlaceHolder 5"/>
+          <p:cNvPr id="10" name="PlaceHolder 5"/>
           <p:cNvSpPr>
             <a:spLocks noGrp="1"/>
           </p:cNvSpPr>
@@ -299,7 +623,7 @@
       </p:sp>
       <p:sp>
         <p:nvSpPr>
-          <p:cNvPr id="12" name="PlaceHolder 6"/>
+          <p:cNvPr id="11" name="PlaceHolder 6"/>
           <p:cNvSpPr>
             <a:spLocks noGrp="1"/>
           </p:cNvSpPr>
@@ -339,7 +663,7 @@
             <a:pPr indent="0" algn="r">
               <a:buNone/>
             </a:pPr>
-            <a:fld id="{BEAF16DB-4868-499B-852A-F74DF742EB63}" type="slidenum">
+            <a:fld id="{422AC05E-B5E2-4348-837E-8AD788FFBAE0}" type="slidenum">
               <a:rPr b="0" lang="pt-BR" sz="1400" spc="-1" strike="noStrike">
                 <a:solidFill>
                   <a:srgbClr val="000000"/>
@@ -382,7 +706,7 @@
       </p:grpSpPr>
       <p:sp>
         <p:nvSpPr>
-          <p:cNvPr id="34" name="PlaceHolder 1"/>
+          <p:cNvPr id="33" name="PlaceHolder 1"/>
           <p:cNvSpPr>
             <a:spLocks noGrp="1"/>
           </p:cNvSpPr>
@@ -393,7 +717,7 @@
         <p:spPr>
           <a:xfrm>
             <a:off x="2286000" y="685800"/>
-            <a:ext cx="2284560" cy="3427560"/>
+            <a:ext cx="2284200" cy="3427200"/>
           </a:xfrm>
           <a:prstGeom prst="rect">
             <a:avLst/>
@@ -405,7 +729,7 @@
       </p:sp>
       <p:sp>
         <p:nvSpPr>
-          <p:cNvPr id="35" name="PlaceHolder 2"/>
+          <p:cNvPr id="34" name="PlaceHolder 2"/>
           <p:cNvSpPr>
             <a:spLocks noGrp="1"/>
           </p:cNvSpPr>
@@ -416,7 +740,7 @@
         <p:spPr>
           <a:xfrm>
             <a:off x="685800" y="4343400"/>
-            <a:ext cx="5484960" cy="4113360"/>
+            <a:ext cx="5484600" cy="4113000"/>
           </a:xfrm>
           <a:prstGeom prst="rect">
             <a:avLst/>
@@ -445,7 +769,7 @@
       </p:sp>
       <p:sp>
         <p:nvSpPr>
-          <p:cNvPr id="36" name="PlaceHolder 3"/>
+          <p:cNvPr id="35" name="PlaceHolder 3"/>
           <p:cNvSpPr>
             <a:spLocks noGrp="1"/>
           </p:cNvSpPr>
@@ -456,7 +780,7 @@
         <p:spPr>
           <a:xfrm>
             <a:off x="3884760" y="8685360"/>
-            <a:ext cx="2970360" cy="455760"/>
+            <a:ext cx="2970000" cy="455400"/>
           </a:xfrm>
           <a:prstGeom prst="rect">
             <a:avLst/>
@@ -498,7 +822,7 @@
                 <a:tab algn="l" pos="0"/>
               </a:tabLst>
             </a:pPr>
-            <a:fld id="{2D0AA5A3-47EE-4CE5-92C1-E6E5CB101393}" type="slidenum">
+            <a:fld id="{9FC27978-D3F1-47B7-A9D9-8B109ED93AE1}" type="slidenum">
               <a:rPr b="0" lang="pt-BR" sz="1200" spc="-1" strike="noStrike">
                 <a:solidFill>
                   <a:srgbClr val="000000"/>
@@ -541,7 +865,7 @@
       </p:grpSpPr>
       <p:sp>
         <p:nvSpPr>
-          <p:cNvPr id="5" name="PlaceHolder 1"/>
+          <p:cNvPr id="4" name="PlaceHolder 1"/>
           <p:cNvSpPr>
             <a:spLocks noGrp="1"/>
           </p:cNvSpPr>
@@ -552,7 +876,7 @@
         <p:spPr>
           <a:xfrm>
             <a:off x="2160720" y="13420440"/>
-            <a:ext cx="24477120" cy="9258120"/>
+            <a:ext cx="24476760" cy="9257760"/>
           </a:xfrm>
           <a:prstGeom prst="rect">
             <a:avLst/>
@@ -581,7 +905,7 @@
       </p:sp>
       <p:sp>
         <p:nvSpPr>
-          <p:cNvPr id="6" name="PlaceHolder 2"/>
+          <p:cNvPr id="5" name="PlaceHolder 2"/>
           <p:cNvSpPr>
             <a:spLocks noGrp="1"/>
           </p:cNvSpPr>
@@ -653,7 +977,7 @@
         <p:txBody>
           <a:bodyPr/>
           <a:p>
-            <a:fld id="{9F848D27-8525-416E-85CB-61574F102397}" type="slidenum">
+            <a:fld id="{B7ADC23B-9910-4591-B083-D81C2EB196B4}" type="slidenum">
               <a:t>&lt;#&gt;</a:t>
             </a:fld>
           </a:p>
@@ -722,7 +1046,7 @@
         <p:spPr>
           <a:xfrm>
             <a:off x="2160720" y="13420440"/>
-            <a:ext cx="24477120" cy="9258120"/>
+            <a:ext cx="24476760" cy="9257760"/>
           </a:xfrm>
           <a:prstGeom prst="rect">
             <a:avLst/>
@@ -737,11 +1061,11 @@
             <a:noAutofit/>
           </a:bodyPr>
           <a:p>
-            <a:pPr indent="0" algn="ctr">
+            <a:pPr indent="0">
               <a:buNone/>
             </a:pPr>
             <a:r>
-              <a:rPr b="0" lang="pt-BR" sz="4400" spc="-1" strike="noStrike">
+              <a:rPr b="0" lang="pt-BR" sz="1800" spc="-1" strike="noStrike">
                 <a:solidFill>
                   <a:srgbClr val="000000"/>
                 </a:solidFill>
@@ -749,7 +1073,7 @@
               </a:rPr>
               <a:t>Clique para editar o formato do texto do título</a:t>
             </a:r>
-            <a:endParaRPr b="0" lang="pt-BR" sz="4400" spc="-1" strike="noStrike">
+            <a:endParaRPr b="0" lang="pt-BR" sz="1800" spc="-1" strike="noStrike">
               <a:solidFill>
                 <a:srgbClr val="000000"/>
               </a:solidFill>
@@ -771,7 +1095,7 @@
         <p:spPr>
           <a:xfrm>
             <a:off x="9839160" y="39340440"/>
-            <a:ext cx="9120240" cy="2999520"/>
+            <a:ext cx="9119880" cy="2999160"/>
           </a:xfrm>
           <a:prstGeom prst="rect">
             <a:avLst/>
@@ -843,7 +1167,7 @@
         <p:spPr>
           <a:xfrm>
             <a:off x="20639520" y="39340440"/>
-            <a:ext cx="6720480" cy="2999520"/>
+            <a:ext cx="6720120" cy="2999160"/>
           </a:xfrm>
           <a:prstGeom prst="rect">
             <a:avLst/>
@@ -884,7 +1208,7 @@
                 <a:tab algn="l" pos="0"/>
               </a:tabLst>
             </a:pPr>
-            <a:fld id="{B1949539-41C2-4AE7-A43D-DFD2043A0B9C}" type="slidenum">
+            <a:fld id="{8283162D-5925-4471-A8FE-90E20A03A9FB}" type="slidenum">
               <a:rPr b="0" lang="pt-BR" sz="6260" spc="-1" strike="noStrike">
                 <a:solidFill>
                   <a:schemeClr val="dk1"/>
@@ -915,7 +1239,7 @@
         <p:spPr>
           <a:xfrm>
             <a:off x="1439280" y="39340440"/>
-            <a:ext cx="6720480" cy="2999520"/>
+            <a:ext cx="6720120" cy="2999160"/>
           </a:xfrm>
           <a:prstGeom prst="rect">
             <a:avLst/>
@@ -958,231 +1282,6 @@
                 <a:srgbClr val="000000"/>
               </a:solidFill>
               <a:latin typeface="Times New Roman"/>
-            </a:endParaRPr>
-          </a:p>
-        </p:txBody>
-      </p:sp>
-      <p:sp>
-        <p:nvSpPr>
-          <p:cNvPr id="4" name="PlaceHolder 5"/>
-          <p:cNvSpPr>
-            <a:spLocks noGrp="1"/>
-          </p:cNvSpPr>
-          <p:nvPr>
-            <p:ph type="body"/>
-          </p:nvPr>
-        </p:nvSpPr>
-        <p:spPr>
-          <a:xfrm>
-            <a:off x="1440000" y="10108800"/>
-            <a:ext cx="25919640" cy="25056000"/>
-          </a:xfrm>
-          <a:prstGeom prst="rect">
-            <a:avLst/>
-          </a:prstGeom>
-          <a:noFill/>
-          <a:ln w="0">
-            <a:noFill/>
-          </a:ln>
-        </p:spPr>
-        <p:txBody>
-          <a:bodyPr lIns="0" rIns="0" tIns="0" bIns="0" anchor="t">
-            <a:normAutofit/>
-          </a:bodyPr>
-          <a:p>
-            <a:pPr marL="432000" indent="-324000">
-              <a:spcBef>
-                <a:spcPts val="1417"/>
-              </a:spcBef>
-              <a:buClr>
-                <a:srgbClr val="000000"/>
-              </a:buClr>
-              <a:buSzPct val="45000"/>
-              <a:buFont typeface="Wingdings" charset="2"/>
-              <a:buChar char=""/>
-            </a:pPr>
-            <a:r>
-              <a:rPr b="0" lang="pt-BR" sz="3200" spc="-1" strike="noStrike">
-                <a:solidFill>
-                  <a:srgbClr val="000000"/>
-                </a:solidFill>
-                <a:latin typeface="Arial"/>
-              </a:rPr>
-              <a:t>Clique para editar o formato de texto dos tópicos</a:t>
-            </a:r>
-            <a:endParaRPr b="0" lang="pt-BR" sz="3200" spc="-1" strike="noStrike">
-              <a:solidFill>
-                <a:srgbClr val="000000"/>
-              </a:solidFill>
-              <a:latin typeface="Arial"/>
-            </a:endParaRPr>
-          </a:p>
-          <a:p>
-            <a:pPr lvl="1" marL="864000" indent="-324000">
-              <a:spcBef>
-                <a:spcPts val="1134"/>
-              </a:spcBef>
-              <a:buClr>
-                <a:srgbClr val="000000"/>
-              </a:buClr>
-              <a:buSzPct val="75000"/>
-              <a:buFont typeface="Symbol" charset="2"/>
-              <a:buChar char=""/>
-            </a:pPr>
-            <a:r>
-              <a:rPr b="0" lang="pt-BR" sz="2800" spc="-1" strike="noStrike">
-                <a:solidFill>
-                  <a:srgbClr val="000000"/>
-                </a:solidFill>
-                <a:latin typeface="Arial"/>
-              </a:rPr>
-              <a:t>2.º nível de tópicos</a:t>
-            </a:r>
-            <a:endParaRPr b="0" lang="pt-BR" sz="2800" spc="-1" strike="noStrike">
-              <a:solidFill>
-                <a:srgbClr val="000000"/>
-              </a:solidFill>
-              <a:latin typeface="Arial"/>
-            </a:endParaRPr>
-          </a:p>
-          <a:p>
-            <a:pPr lvl="2" marL="1296000" indent="-288000">
-              <a:spcBef>
-                <a:spcPts val="850"/>
-              </a:spcBef>
-              <a:buClr>
-                <a:srgbClr val="000000"/>
-              </a:buClr>
-              <a:buSzPct val="45000"/>
-              <a:buFont typeface="Wingdings" charset="2"/>
-              <a:buChar char=""/>
-            </a:pPr>
-            <a:r>
-              <a:rPr b="0" lang="pt-BR" sz="2400" spc="-1" strike="noStrike">
-                <a:solidFill>
-                  <a:srgbClr val="000000"/>
-                </a:solidFill>
-                <a:latin typeface="Arial"/>
-              </a:rPr>
-              <a:t>3.º nível de tópicos</a:t>
-            </a:r>
-            <a:endParaRPr b="0" lang="pt-BR" sz="2400" spc="-1" strike="noStrike">
-              <a:solidFill>
-                <a:srgbClr val="000000"/>
-              </a:solidFill>
-              <a:latin typeface="Arial"/>
-            </a:endParaRPr>
-          </a:p>
-          <a:p>
-            <a:pPr lvl="3" marL="1728000" indent="-216000">
-              <a:spcBef>
-                <a:spcPts val="567"/>
-              </a:spcBef>
-              <a:buClr>
-                <a:srgbClr val="000000"/>
-              </a:buClr>
-              <a:buSzPct val="75000"/>
-              <a:buFont typeface="Symbol" charset="2"/>
-              <a:buChar char=""/>
-            </a:pPr>
-            <a:r>
-              <a:rPr b="0" lang="pt-BR" sz="2000" spc="-1" strike="noStrike">
-                <a:solidFill>
-                  <a:srgbClr val="000000"/>
-                </a:solidFill>
-                <a:latin typeface="Arial"/>
-              </a:rPr>
-              <a:t>4.º nível de tópicos</a:t>
-            </a:r>
-            <a:endParaRPr b="0" lang="pt-BR" sz="2000" spc="-1" strike="noStrike">
-              <a:solidFill>
-                <a:srgbClr val="000000"/>
-              </a:solidFill>
-              <a:latin typeface="Arial"/>
-            </a:endParaRPr>
-          </a:p>
-          <a:p>
-            <a:pPr lvl="4" marL="2160000" indent="-216000">
-              <a:spcBef>
-                <a:spcPts val="283"/>
-              </a:spcBef>
-              <a:buClr>
-                <a:srgbClr val="000000"/>
-              </a:buClr>
-              <a:buSzPct val="45000"/>
-              <a:buFont typeface="Wingdings" charset="2"/>
-              <a:buChar char=""/>
-            </a:pPr>
-            <a:r>
-              <a:rPr b="0" lang="pt-BR" sz="2000" spc="-1" strike="noStrike">
-                <a:solidFill>
-                  <a:srgbClr val="000000"/>
-                </a:solidFill>
-                <a:latin typeface="Arial"/>
-              </a:rPr>
-              <a:t>5.º nível de tópicos</a:t>
-            </a:r>
-            <a:endParaRPr b="0" lang="pt-BR" sz="2000" spc="-1" strike="noStrike">
-              <a:solidFill>
-                <a:srgbClr val="000000"/>
-              </a:solidFill>
-              <a:latin typeface="Arial"/>
-            </a:endParaRPr>
-          </a:p>
-          <a:p>
-            <a:pPr lvl="5" marL="2592000" indent="-216000">
-              <a:spcBef>
-                <a:spcPts val="283"/>
-              </a:spcBef>
-              <a:buClr>
-                <a:srgbClr val="000000"/>
-              </a:buClr>
-              <a:buSzPct val="45000"/>
-              <a:buFont typeface="Wingdings" charset="2"/>
-              <a:buChar char=""/>
-            </a:pPr>
-            <a:r>
-              <a:rPr b="0" lang="pt-BR" sz="2000" spc="-1" strike="noStrike">
-                <a:solidFill>
-                  <a:srgbClr val="000000"/>
-                </a:solidFill>
-                <a:latin typeface="Arial"/>
-              </a:rPr>
-              <a:t>6.º nível de tópicos</a:t>
-            </a:r>
-            <a:endParaRPr b="0" lang="pt-BR" sz="2000" spc="-1" strike="noStrike">
-              <a:solidFill>
-                <a:srgbClr val="000000"/>
-              </a:solidFill>
-              <a:latin typeface="Arial"/>
-            </a:endParaRPr>
-          </a:p>
-          <a:p>
-            <a:pPr lvl="6" marL="3024000" indent="-216000">
-              <a:spcBef>
-                <a:spcPts val="283"/>
-              </a:spcBef>
-              <a:buClr>
-                <a:srgbClr val="000000"/>
-              </a:buClr>
-              <a:buSzPct val="45000"/>
-              <a:buFont typeface="Wingdings" charset="2"/>
-              <a:buChar char=""/>
-            </a:pPr>
-            <a:r>
-              <a:rPr b="0" lang="pt-BR" sz="2000" spc="-1" strike="noStrike">
-                <a:solidFill>
-                  <a:srgbClr val="000000"/>
-                </a:solidFill>
-                <a:latin typeface="Arial"/>
-              </a:rPr>
-              <a:t>7.º nível de tópicos</a:t>
-            </a:r>
-            <a:endParaRPr b="0" lang="pt-BR" sz="2000" spc="-1" strike="noStrike">
-              <a:solidFill>
-                <a:srgbClr val="000000"/>
-              </a:solidFill>
-              <a:latin typeface="Arial"/>
             </a:endParaRPr>
           </a:p>
         </p:txBody>
@@ -1215,7 +1314,7 @@
       </p:grpSpPr>
       <p:pic>
         <p:nvPicPr>
-          <p:cNvPr id="13" name="Imagem 5" descr=""/>
+          <p:cNvPr id="12" name="Imagem 5" descr=""/>
           <p:cNvPicPr/>
           <p:nvPr/>
         </p:nvPicPr>
@@ -1226,7 +1325,7 @@
         <p:spPr>
           <a:xfrm>
             <a:off x="25920" y="-339120"/>
-            <a:ext cx="28773360" cy="43178040"/>
+            <a:ext cx="28773000" cy="43177680"/>
           </a:xfrm>
           <a:prstGeom prst="rect">
             <a:avLst/>
@@ -1238,14 +1337,14 @@
       </p:pic>
       <p:sp>
         <p:nvSpPr>
-          <p:cNvPr id="14" name="Rectangle 6"/>
+          <p:cNvPr id="13" name="Rectangle 6"/>
           <p:cNvSpPr/>
           <p:nvPr/>
         </p:nvSpPr>
         <p:spPr>
           <a:xfrm>
-            <a:off x="-36720" y="2706120"/>
-            <a:ext cx="28798920" cy="660600"/>
+            <a:off x="-36720" y="2706840"/>
+            <a:ext cx="28798560" cy="659160"/>
           </a:xfrm>
           <a:prstGeom prst="rect">
             <a:avLst/>
@@ -1302,14 +1401,14 @@
       </p:sp>
       <p:sp>
         <p:nvSpPr>
-          <p:cNvPr id="15" name="TextBox 8"/>
+          <p:cNvPr id="14" name="TextBox 8"/>
           <p:cNvSpPr/>
           <p:nvPr/>
         </p:nvSpPr>
         <p:spPr>
           <a:xfrm>
             <a:off x="690480" y="4992480"/>
-            <a:ext cx="13283280" cy="5719320"/>
+            <a:ext cx="13282920" cy="5718600"/>
           </a:xfrm>
           <a:prstGeom prst="rect">
             <a:avLst/>
@@ -1500,14 +1599,14 @@
       </p:sp>
       <p:sp>
         <p:nvSpPr>
-          <p:cNvPr id="16" name="Rectangle 13"/>
+          <p:cNvPr id="15" name="Rectangle 13"/>
           <p:cNvSpPr/>
           <p:nvPr/>
         </p:nvSpPr>
         <p:spPr>
           <a:xfrm>
             <a:off x="0" y="-669240"/>
-            <a:ext cx="183240" cy="1337400"/>
+            <a:ext cx="182880" cy="1337040"/>
           </a:xfrm>
           <a:prstGeom prst="rect">
             <a:avLst/>
@@ -1528,6 +1627,11 @@
             <a:spAutoFit/>
           </a:bodyPr>
           <a:p>
+            <a:pPr>
+              <a:lnSpc>
+                <a:spcPct val="100000"/>
+              </a:lnSpc>
+            </a:pPr>
             <a:endParaRPr b="0" lang="en-US" sz="8100" spc="-1" strike="noStrike">
               <a:solidFill>
                 <a:schemeClr val="dk1"/>
@@ -1540,7 +1644,7 @@
       </p:sp>
       <p:sp>
         <p:nvSpPr>
-          <p:cNvPr id="17" name="PlaceHolder 1"/>
+          <p:cNvPr id="16" name="PlaceHolder 1"/>
           <p:cNvSpPr>
             <a:spLocks noGrp="1"/>
           </p:cNvSpPr>
@@ -1551,7 +1655,7 @@
         <p:spPr>
           <a:xfrm>
             <a:off x="533160" y="1091160"/>
-            <a:ext cx="27923040" cy="2256840"/>
+            <a:ext cx="27922680" cy="2256480"/>
           </a:xfrm>
           <a:prstGeom prst="rect">
             <a:avLst/>
@@ -1582,61 +1686,7 @@
                 </a:solidFill>
                 <a:latin typeface="Arial"/>
               </a:rPr>
-              <a:t>P</a:t>
-            </a:r>
-            <a:r>
-              <a:rPr b="1" lang="pt-BR" sz="5860" spc="-1" strike="noStrike">
-                <a:solidFill>
-                  <a:schemeClr val="dk2"/>
-                </a:solidFill>
-                <a:latin typeface="Arial"/>
-              </a:rPr>
-              <a:t>i</a:t>
-            </a:r>
-            <a:r>
-              <a:rPr b="1" lang="pt-BR" sz="5860" spc="-1" strike="noStrike">
-                <a:solidFill>
-                  <a:schemeClr val="dk2"/>
-                </a:solidFill>
-                <a:latin typeface="Arial"/>
-              </a:rPr>
-              <a:t>c</a:t>
-            </a:r>
-            <a:r>
-              <a:rPr b="1" lang="pt-BR" sz="5860" spc="-1" strike="noStrike">
-                <a:solidFill>
-                  <a:schemeClr val="dk2"/>
-                </a:solidFill>
-                <a:latin typeface="Arial"/>
-              </a:rPr>
-              <a:t>D</a:t>
-            </a:r>
-            <a:r>
-              <a:rPr b="1" lang="pt-BR" sz="5860" spc="-1" strike="noStrike">
-                <a:solidFill>
-                  <a:schemeClr val="dk2"/>
-                </a:solidFill>
-                <a:latin typeface="Arial"/>
-              </a:rPr>
-              <a:t>a</a:t>
-            </a:r>
-            <a:r>
-              <a:rPr b="1" lang="pt-BR" sz="5860" spc="-1" strike="noStrike">
-                <a:solidFill>
-                  <a:schemeClr val="dk2"/>
-                </a:solidFill>
-                <a:latin typeface="Arial"/>
-              </a:rPr>
-              <a:t>s</a:t>
-            </a:r>
-            <a:r>
-              <a:rPr b="1" lang="pt-BR" sz="5860" spc="-1" strike="noStrike">
-                <a:solidFill>
-                  <a:schemeClr val="dk2"/>
-                </a:solidFill>
-                <a:latin typeface="Arial"/>
-              </a:rPr>
-              <a:t>h</a:t>
+              <a:t>PicDash</a:t>
             </a:r>
             <a:endParaRPr b="0" lang="pt-BR" sz="5860" spc="-1" strike="noStrike">
               <a:solidFill>
@@ -1649,14 +1699,14 @@
       </p:sp>
       <p:sp>
         <p:nvSpPr>
-          <p:cNvPr id="18" name="Rectangle 14"/>
+          <p:cNvPr id="17" name="Rectangle 14"/>
           <p:cNvSpPr/>
           <p:nvPr/>
         </p:nvSpPr>
         <p:spPr>
           <a:xfrm>
             <a:off x="1540800" y="288360"/>
-            <a:ext cx="25808400" cy="1617480"/>
+            <a:ext cx="25808040" cy="1617120"/>
           </a:xfrm>
           <a:prstGeom prst="rect">
             <a:avLst/>
@@ -1703,14 +1753,14 @@
       </p:sp>
       <p:sp>
         <p:nvSpPr>
-          <p:cNvPr id="19" name="TextBox 8"/>
+          <p:cNvPr id="18" name="TextBox 8"/>
           <p:cNvSpPr/>
           <p:nvPr/>
         </p:nvSpPr>
         <p:spPr>
           <a:xfrm>
             <a:off x="14653080" y="4992480"/>
-            <a:ext cx="13283280" cy="6349320"/>
+            <a:ext cx="13282920" cy="6349320"/>
           </a:xfrm>
           <a:prstGeom prst="rect">
             <a:avLst/>
@@ -1836,7 +1886,7 @@
                 <a:latin typeface="Arial"/>
                 <a:ea typeface="ＭＳ Ｐゴシック"/>
               </a:rPr>
-              <a:t>Realizando a seleção, limpeza e padronização, sendo necessário a definição de KPIs para o CEO e CFO, com a intenção de proporcionar uma análise relevante sobre a empresa e ajudar a PicMoney a tomar decisões estratégicas, direcionada a cada posição de liderança.</a:t>
+              <a:t>Realizamos a seleção, limpeza e padronização dos daods, sendo necessário a definição de KPIs para o CEO e CFO, com a intenção de proporcionar uma análise relevante sobre a empresa e ajudar a PicMoney a tomar decisões estratégicas, direcionada a cada posição de liderança.</a:t>
             </a:r>
             <a:endParaRPr b="0" lang="pt-BR" sz="2660" spc="-1" strike="noStrike">
               <a:solidFill>
@@ -1943,14 +1993,14 @@
       </p:sp>
       <p:sp>
         <p:nvSpPr>
-          <p:cNvPr id="20" name="TextBox 8"/>
+          <p:cNvPr id="19" name="TextBox 8"/>
           <p:cNvSpPr/>
           <p:nvPr/>
         </p:nvSpPr>
         <p:spPr>
           <a:xfrm>
             <a:off x="630360" y="33543360"/>
-            <a:ext cx="13317480" cy="6672240"/>
+            <a:ext cx="13317120" cy="7061760"/>
           </a:xfrm>
           <a:prstGeom prst="rect">
             <a:avLst/>
@@ -2030,7 +2080,7 @@
                 <a:latin typeface="Arial"/>
                 <a:ea typeface="ＭＳ Ｐゴシック"/>
               </a:rPr>
-              <a:t>Para isso construímos a PicDash, uma Dashboard com o objetivo de sintetizar visualmente os dados financeiros da empresa, ela oferece uma visão detalhada para o CEO e CFO da empresa, tendo KPIs bem definidas que se encaixam nas necessidades de executivas e financeiras de cada um. Ao entrar na Dashboard, o usuário terá a opção de entrar na sua conta ou cadastrar as suas credenciais, esse cadastro é o que permite uma visão personalizada para cada membro executivo. Com o acesso completo a plataforma, além das KPIs personalizadas, é possível visualizar todas as métricas gerais relacionadas a empresa, como a receita total, lucro liquido e margem operacional, todas elas podem ser expandidas para uma visualização mais detalhada, com gráficos interativos e informações detalhadas, sendo possível exportar essas informações em um relatório PDF. Para ajudar na visão estratégica da empresa, a Dashboard também conta com uma mapa de calor interativo, sendo possível filtrar a localização de cupons capturados a partir de categorias como lojas parceiras, modelo de celular e outros dados dos usuários. Garantindo a longevidade da plataforma, o usuário tem a capacidade de realizar o envio de planilhas adicionais, sendo possível especificar o período e o que a planilha se refere.</a:t>
+              <a:t>Para isso construímos a PicDash, uma Dashboard com o objetivo de sintetizar visualmente os dados financeiros da empresa, oferecendo uma visão detalhada para o CEO e CFO, tendo KPIs bem definidas que se encaixam nas necessidades executivas e financeiras de cada um. Ao entrar na Dashboard, o usuário terá a opção de entrar na sua conta ou cadastrar as suas credenciais, esse cadastro é o que permite uma visão personalizada para cada membro executivo. Com o acesso completo a plataforma, além das KPIs personalizadas, é possível visualizar todas as métricas gerais relacionadas a empresa, como a receita total, lucro liquido e margem operacional, todas elas podem ser expandidas para uma visualização mais detalhada, com gráficos interativos e informações mais completas, sendo possível exportar essas informações em um relatório PDF. Para ajudar na visão estratégica da empresa, a Dashboard também conta com uma mapa de calor interativo, sendo possível filtrar a localização de cupons capturados a partir de categorias como lojas parceiras, modelo de celular e outros dados dos usuários. Garantindo a longevidade da plataforma, o usuário tem a capacidade de realizar o envio de planilhas adicionais, sendo possível especificar o período e ao o que a planilha se refere.</a:t>
             </a:r>
             <a:endParaRPr b="0" lang="pt-BR" sz="2560" spc="-1" strike="noStrike">
               <a:solidFill>
@@ -2043,14 +2093,14 @@
       </p:sp>
       <p:sp>
         <p:nvSpPr>
-          <p:cNvPr id="21" name="Rectangle 2"/>
+          <p:cNvPr id="20" name="Rectangle 2"/>
           <p:cNvSpPr/>
           <p:nvPr/>
         </p:nvSpPr>
         <p:spPr>
           <a:xfrm>
             <a:off x="12600" y="3056760"/>
-            <a:ext cx="29591280" cy="1353600"/>
+            <a:ext cx="29590920" cy="1353240"/>
           </a:xfrm>
           <a:prstGeom prst="rect">
             <a:avLst/>
@@ -2097,14 +2147,14 @@
       </p:sp>
       <p:sp>
         <p:nvSpPr>
-          <p:cNvPr id="22" name="TextBox 8"/>
+          <p:cNvPr id="21" name="TextBox 8"/>
           <p:cNvSpPr/>
           <p:nvPr/>
         </p:nvSpPr>
         <p:spPr>
           <a:xfrm>
             <a:off x="14646960" y="33543360"/>
-            <a:ext cx="13317480" cy="5972400"/>
+            <a:ext cx="13317120" cy="5972400"/>
           </a:xfrm>
           <a:prstGeom prst="rect">
             <a:avLst/>
@@ -2230,7 +2280,7 @@
                 <a:latin typeface="Arial"/>
                 <a:ea typeface="ＭＳ Ｐゴシック"/>
               </a:rPr>
-              <a:t>Uma das principais funcionalidades que gostaríamos de adicionar é integração com AI e Machine Learning, o que permitiria análises mais precisas e personalizadas, detecção de anomalias com a possibilidade de estimativas sobre a situação financeira futura da empresa e quais podem ser as melhores medidas para a empresa atingir o sucesso.</a:t>
+              <a:t>Uma das principais funcionalidades que gostaríamos de adicionar é integração com AI e Machine Learning, o que permitiria análises mais precisas e personalizadas, detecção de anomalias com a possibilidade de estimativas sobre a situação financeira futura da empresa e quais podem ser as melhores medidas para a garantir o sucesso.</a:t>
             </a:r>
             <a:endParaRPr b="0" lang="pt-BR" sz="2660" spc="-1" strike="noStrike">
               <a:solidFill>
@@ -2276,7 +2326,7 @@
                 <a:latin typeface="Arial"/>
                 <a:ea typeface="ＭＳ Ｐゴシック"/>
               </a:rPr>
-              <a:t>A integração com APIs da própria PicMoney, com a conexão direta aos dados, permitindo uma análise ainda mais precisa e uma utilização mais intuitiva sem a necessidade de envio de planilhas por parte do usuário</a:t>
+              <a:t>Também gostaríamos de uma integração com APIs da própria PicMoney, com a conexão direta aos dados, permitindo uma análise ainda mais precisa e uma utilização mais intuitiva sem a necessidade de envio de planilhas por parte do usuário</a:t>
             </a:r>
             <a:endParaRPr b="0" lang="pt-BR" sz="2660" spc="-1" strike="noStrike">
               <a:solidFill>
@@ -2289,14 +2339,14 @@
       </p:sp>
       <p:sp>
         <p:nvSpPr>
-          <p:cNvPr id="23" name="TextBox 8"/>
+          <p:cNvPr id="22" name="TextBox 8"/>
           <p:cNvSpPr/>
           <p:nvPr/>
         </p:nvSpPr>
         <p:spPr>
           <a:xfrm>
             <a:off x="7959600" y="10343880"/>
-            <a:ext cx="12867480" cy="1553040"/>
+            <a:ext cx="12867120" cy="1552320"/>
           </a:xfrm>
           <a:prstGeom prst="rect">
             <a:avLst/>
@@ -2379,7 +2429,7 @@
       </p:sp>
       <p:pic>
         <p:nvPicPr>
-          <p:cNvPr id="24" name="Imagem 4" descr="Uma imagem contendo óculos&#10;&#10;O conteúdo gerado por IA pode estar incorreto."/>
+          <p:cNvPr id="23" name="Imagem 4" descr="Uma imagem contendo óculos&#10;&#10;O conteúdo gerado por IA pode estar incorreto."/>
           <p:cNvPicPr/>
           <p:nvPr/>
         </p:nvPicPr>
@@ -2390,7 +2440,7 @@
         <p:spPr>
           <a:xfrm>
             <a:off x="122760" y="40356000"/>
-            <a:ext cx="3094560" cy="3114000"/>
+            <a:ext cx="3094200" cy="3113640"/>
           </a:xfrm>
           <a:prstGeom prst="rect">
             <a:avLst/>
@@ -2402,7 +2452,7 @@
       </p:pic>
       <p:pic>
         <p:nvPicPr>
-          <p:cNvPr id="25" name="Imagem 9" descr="Uma imagem contendo óculos, caneca&#10;&#10;O conteúdo gerado por IA pode estar incorreto."/>
+          <p:cNvPr id="24" name="Imagem 9" descr="Uma imagem contendo óculos, caneca&#10;&#10;O conteúdo gerado por IA pode estar incorreto."/>
           <p:cNvPicPr/>
           <p:nvPr/>
         </p:nvPicPr>
@@ -2413,7 +2463,7 @@
         <p:spPr>
           <a:xfrm>
             <a:off x="25801920" y="40382640"/>
-            <a:ext cx="3094560" cy="3104280"/>
+            <a:ext cx="3094200" cy="3103920"/>
           </a:xfrm>
           <a:prstGeom prst="rect">
             <a:avLst/>
@@ -2425,7 +2475,7 @@
       </p:pic>
       <p:pic>
         <p:nvPicPr>
-          <p:cNvPr id="26" name="Imagem 10" descr="Logotipo&#10;&#10;O conteúdo gerado por IA pode estar incorreto."/>
+          <p:cNvPr id="25" name="Imagem 10" descr="Logotipo&#10;&#10;O conteúdo gerado por IA pode estar incorreto."/>
           <p:cNvPicPr/>
           <p:nvPr/>
         </p:nvPicPr>
@@ -2436,7 +2486,7 @@
         <p:spPr>
           <a:xfrm>
             <a:off x="21780000" y="14580000"/>
-            <a:ext cx="5960160" cy="3078360"/>
+            <a:ext cx="5959800" cy="3078000"/>
           </a:xfrm>
           <a:prstGeom prst="rect">
             <a:avLst/>
@@ -2448,7 +2498,7 @@
       </p:pic>
       <p:pic>
         <p:nvPicPr>
-          <p:cNvPr id="27" name="Imagem 17" descr="Ícone&#10;&#10;O conteúdo gerado por IA pode estar incorreto."/>
+          <p:cNvPr id="26" name="Imagem 17" descr="Ícone&#10;&#10;O conteúdo gerado por IA pode estar incorreto."/>
           <p:cNvPicPr/>
           <p:nvPr/>
         </p:nvPicPr>
@@ -2459,7 +2509,7 @@
         <p:spPr>
           <a:xfrm>
             <a:off x="14029560" y="18720000"/>
-            <a:ext cx="5769360" cy="5769360"/>
+            <a:ext cx="5769000" cy="5769000"/>
           </a:xfrm>
           <a:prstGeom prst="rect">
             <a:avLst/>
@@ -2471,7 +2521,7 @@
       </p:pic>
       <p:pic>
         <p:nvPicPr>
-          <p:cNvPr id="28" name="Imagem 18" descr="Ícone&#10;&#10;O conteúdo gerado por IA pode estar incorreto."/>
+          <p:cNvPr id="27" name="Imagem 18" descr="Ícone&#10;&#10;O conteúdo gerado por IA pode estar incorreto."/>
           <p:cNvPicPr/>
           <p:nvPr/>
         </p:nvPicPr>
@@ -2482,7 +2532,30 @@
         <p:spPr>
           <a:xfrm>
             <a:off x="14220000" y="12960000"/>
-            <a:ext cx="5218920" cy="5218920"/>
+            <a:ext cx="5218560" cy="5218560"/>
+          </a:xfrm>
+          <a:prstGeom prst="rect">
+            <a:avLst/>
+          </a:prstGeom>
+          <a:ln w="0">
+            <a:noFill/>
+          </a:ln>
+        </p:spPr>
+      </p:pic>
+      <p:pic>
+        <p:nvPicPr>
+          <p:cNvPr id="28" name="" descr=""/>
+          <p:cNvPicPr/>
+          <p:nvPr/>
+        </p:nvPicPr>
+        <p:blipFill>
+          <a:blip r:embed="rId7"/>
+          <a:stretch/>
+        </p:blipFill>
+        <p:spPr>
+          <a:xfrm>
+            <a:off x="1518840" y="12741120"/>
+            <a:ext cx="10798560" cy="5038560"/>
           </a:xfrm>
           <a:prstGeom prst="rect">
             <a:avLst/>
@@ -2499,13 +2572,13 @@
           <p:nvPr/>
         </p:nvPicPr>
         <p:blipFill>
-          <a:blip r:embed="rId7"/>
+          <a:blip r:embed="rId8"/>
           <a:stretch/>
         </p:blipFill>
         <p:spPr>
           <a:xfrm>
-            <a:off x="1518840" y="12741120"/>
-            <a:ext cx="10798920" cy="5038920"/>
+            <a:off x="1519200" y="19105200"/>
+            <a:ext cx="10913760" cy="5193360"/>
           </a:xfrm>
           <a:prstGeom prst="rect">
             <a:avLst/>
@@ -2522,13 +2595,13 @@
           <p:nvPr/>
         </p:nvPicPr>
         <p:blipFill>
-          <a:blip r:embed="rId8"/>
+          <a:blip r:embed="rId9"/>
           <a:stretch/>
         </p:blipFill>
         <p:spPr>
           <a:xfrm>
-            <a:off x="1519200" y="19105200"/>
-            <a:ext cx="10914120" cy="5193720"/>
+            <a:off x="1519200" y="25560000"/>
+            <a:ext cx="10798560" cy="5038560"/>
           </a:xfrm>
           <a:prstGeom prst="rect">
             <a:avLst/>
@@ -2545,13 +2618,13 @@
           <p:nvPr/>
         </p:nvPicPr>
         <p:blipFill>
-          <a:blip r:embed="rId9"/>
+          <a:blip r:embed="rId10"/>
           <a:stretch/>
         </p:blipFill>
         <p:spPr>
           <a:xfrm>
-            <a:off x="1519200" y="25560000"/>
-            <a:ext cx="10798920" cy="5038920"/>
+            <a:off x="21960000" y="18720000"/>
+            <a:ext cx="5525280" cy="5525280"/>
           </a:xfrm>
           <a:prstGeom prst="rect">
             <a:avLst/>
@@ -2568,36 +2641,13 @@
           <p:nvPr/>
         </p:nvPicPr>
         <p:blipFill>
-          <a:blip r:embed="rId10"/>
-          <a:stretch/>
-        </p:blipFill>
-        <p:spPr>
-          <a:xfrm>
-            <a:off x="21960000" y="18720000"/>
-            <a:ext cx="5525640" cy="5525640"/>
-          </a:xfrm>
-          <a:prstGeom prst="rect">
-            <a:avLst/>
-          </a:prstGeom>
-          <a:ln w="0">
-            <a:noFill/>
-          </a:ln>
-        </p:spPr>
-      </p:pic>
-      <p:pic>
-        <p:nvPicPr>
-          <p:cNvPr id="33" name="" descr=""/>
-          <p:cNvPicPr/>
-          <p:nvPr/>
-        </p:nvPicPr>
-        <p:blipFill>
           <a:blip r:embed="rId11"/>
           <a:stretch/>
         </p:blipFill>
         <p:spPr>
           <a:xfrm>
             <a:off x="15338520" y="24490440"/>
-            <a:ext cx="11061360" cy="8295840"/>
+            <a:ext cx="11061000" cy="8295480"/>
           </a:xfrm>
           <a:prstGeom prst="rect">
             <a:avLst/>

--- a/documentos/Banner_FECAP_NCC4_Enrolados.pptx
+++ b/documentos/Banner_FECAP_NCC4_Enrolados.pptx
@@ -117,331 +117,7 @@
                 </a:solidFill>
                 <a:latin typeface="Arial"/>
               </a:rPr>
-              <a:t>C</a:t>
-            </a:r>
-            <a:r>
-              <a:rPr b="0" lang="pt-BR" sz="2000" spc="-1" strike="noStrike">
-                <a:solidFill>
-                  <a:srgbClr val="000000"/>
-                </a:solidFill>
-                <a:latin typeface="Arial"/>
-              </a:rPr>
-              <a:t>l</a:t>
-            </a:r>
-            <a:r>
-              <a:rPr b="0" lang="pt-BR" sz="2000" spc="-1" strike="noStrike">
-                <a:solidFill>
-                  <a:srgbClr val="000000"/>
-                </a:solidFill>
-                <a:latin typeface="Arial"/>
-              </a:rPr>
-              <a:t>i</a:t>
-            </a:r>
-            <a:r>
-              <a:rPr b="0" lang="pt-BR" sz="2000" spc="-1" strike="noStrike">
-                <a:solidFill>
-                  <a:srgbClr val="000000"/>
-                </a:solidFill>
-                <a:latin typeface="Arial"/>
-              </a:rPr>
-              <a:t>q</a:t>
-            </a:r>
-            <a:r>
-              <a:rPr b="0" lang="pt-BR" sz="2000" spc="-1" strike="noStrike">
-                <a:solidFill>
-                  <a:srgbClr val="000000"/>
-                </a:solidFill>
-                <a:latin typeface="Arial"/>
-              </a:rPr>
-              <a:t>u</a:t>
-            </a:r>
-            <a:r>
-              <a:rPr b="0" lang="pt-BR" sz="2000" spc="-1" strike="noStrike">
-                <a:solidFill>
-                  <a:srgbClr val="000000"/>
-                </a:solidFill>
-                <a:latin typeface="Arial"/>
-              </a:rPr>
-              <a:t>e</a:t>
-            </a:r>
-            <a:r>
-              <a:rPr b="0" lang="pt-BR" sz="2000" spc="-1" strike="noStrike">
-                <a:solidFill>
-                  <a:srgbClr val="000000"/>
-                </a:solidFill>
-                <a:latin typeface="Arial"/>
-              </a:rPr>
-              <a:t> </a:t>
-            </a:r>
-            <a:r>
-              <a:rPr b="0" lang="pt-BR" sz="2000" spc="-1" strike="noStrike">
-                <a:solidFill>
-                  <a:srgbClr val="000000"/>
-                </a:solidFill>
-                <a:latin typeface="Arial"/>
-              </a:rPr>
-              <a:t>p</a:t>
-            </a:r>
-            <a:r>
-              <a:rPr b="0" lang="pt-BR" sz="2000" spc="-1" strike="noStrike">
-                <a:solidFill>
-                  <a:srgbClr val="000000"/>
-                </a:solidFill>
-                <a:latin typeface="Arial"/>
-              </a:rPr>
-              <a:t>a</a:t>
-            </a:r>
-            <a:r>
-              <a:rPr b="0" lang="pt-BR" sz="2000" spc="-1" strike="noStrike">
-                <a:solidFill>
-                  <a:srgbClr val="000000"/>
-                </a:solidFill>
-                <a:latin typeface="Arial"/>
-              </a:rPr>
-              <a:t>r</a:t>
-            </a:r>
-            <a:r>
-              <a:rPr b="0" lang="pt-BR" sz="2000" spc="-1" strike="noStrike">
-                <a:solidFill>
-                  <a:srgbClr val="000000"/>
-                </a:solidFill>
-                <a:latin typeface="Arial"/>
-              </a:rPr>
-              <a:t>a</a:t>
-            </a:r>
-            <a:r>
-              <a:rPr b="0" lang="pt-BR" sz="2000" spc="-1" strike="noStrike">
-                <a:solidFill>
-                  <a:srgbClr val="000000"/>
-                </a:solidFill>
-                <a:latin typeface="Arial"/>
-              </a:rPr>
-              <a:t> </a:t>
-            </a:r>
-            <a:r>
-              <a:rPr b="0" lang="pt-BR" sz="2000" spc="-1" strike="noStrike">
-                <a:solidFill>
-                  <a:srgbClr val="000000"/>
-                </a:solidFill>
-                <a:latin typeface="Arial"/>
-              </a:rPr>
-              <a:t>e</a:t>
-            </a:r>
-            <a:r>
-              <a:rPr b="0" lang="pt-BR" sz="2000" spc="-1" strike="noStrike">
-                <a:solidFill>
-                  <a:srgbClr val="000000"/>
-                </a:solidFill>
-                <a:latin typeface="Arial"/>
-              </a:rPr>
-              <a:t>d</a:t>
-            </a:r>
-            <a:r>
-              <a:rPr b="0" lang="pt-BR" sz="2000" spc="-1" strike="noStrike">
-                <a:solidFill>
-                  <a:srgbClr val="000000"/>
-                </a:solidFill>
-                <a:latin typeface="Arial"/>
-              </a:rPr>
-              <a:t>i</a:t>
-            </a:r>
-            <a:r>
-              <a:rPr b="0" lang="pt-BR" sz="2000" spc="-1" strike="noStrike">
-                <a:solidFill>
-                  <a:srgbClr val="000000"/>
-                </a:solidFill>
-                <a:latin typeface="Arial"/>
-              </a:rPr>
-              <a:t>t</a:t>
-            </a:r>
-            <a:r>
-              <a:rPr b="0" lang="pt-BR" sz="2000" spc="-1" strike="noStrike">
-                <a:solidFill>
-                  <a:srgbClr val="000000"/>
-                </a:solidFill>
-                <a:latin typeface="Arial"/>
-              </a:rPr>
-              <a:t>a</a:t>
-            </a:r>
-            <a:r>
-              <a:rPr b="0" lang="pt-BR" sz="2000" spc="-1" strike="noStrike">
-                <a:solidFill>
-                  <a:srgbClr val="000000"/>
-                </a:solidFill>
-                <a:latin typeface="Arial"/>
-              </a:rPr>
-              <a:t>r</a:t>
-            </a:r>
-            <a:r>
-              <a:rPr b="0" lang="pt-BR" sz="2000" spc="-1" strike="noStrike">
-                <a:solidFill>
-                  <a:srgbClr val="000000"/>
-                </a:solidFill>
-                <a:latin typeface="Arial"/>
-              </a:rPr>
-              <a:t> </a:t>
-            </a:r>
-            <a:r>
-              <a:rPr b="0" lang="pt-BR" sz="2000" spc="-1" strike="noStrike">
-                <a:solidFill>
-                  <a:srgbClr val="000000"/>
-                </a:solidFill>
-                <a:latin typeface="Arial"/>
-              </a:rPr>
-              <a:t>o</a:t>
-            </a:r>
-            <a:r>
-              <a:rPr b="0" lang="pt-BR" sz="2000" spc="-1" strike="noStrike">
-                <a:solidFill>
-                  <a:srgbClr val="000000"/>
-                </a:solidFill>
-                <a:latin typeface="Arial"/>
-              </a:rPr>
-              <a:t> </a:t>
-            </a:r>
-            <a:r>
-              <a:rPr b="0" lang="pt-BR" sz="2000" spc="-1" strike="noStrike">
-                <a:solidFill>
-                  <a:srgbClr val="000000"/>
-                </a:solidFill>
-                <a:latin typeface="Arial"/>
-              </a:rPr>
-              <a:t>f</a:t>
-            </a:r>
-            <a:r>
-              <a:rPr b="0" lang="pt-BR" sz="2000" spc="-1" strike="noStrike">
-                <a:solidFill>
-                  <a:srgbClr val="000000"/>
-                </a:solidFill>
-                <a:latin typeface="Arial"/>
-              </a:rPr>
-              <a:t>o</a:t>
-            </a:r>
-            <a:r>
-              <a:rPr b="0" lang="pt-BR" sz="2000" spc="-1" strike="noStrike">
-                <a:solidFill>
-                  <a:srgbClr val="000000"/>
-                </a:solidFill>
-                <a:latin typeface="Arial"/>
-              </a:rPr>
-              <a:t>r</a:t>
-            </a:r>
-            <a:r>
-              <a:rPr b="0" lang="pt-BR" sz="2000" spc="-1" strike="noStrike">
-                <a:solidFill>
-                  <a:srgbClr val="000000"/>
-                </a:solidFill>
-                <a:latin typeface="Arial"/>
-              </a:rPr>
-              <a:t>m</a:t>
-            </a:r>
-            <a:r>
-              <a:rPr b="0" lang="pt-BR" sz="2000" spc="-1" strike="noStrike">
-                <a:solidFill>
-                  <a:srgbClr val="000000"/>
-                </a:solidFill>
-                <a:latin typeface="Arial"/>
-              </a:rPr>
-              <a:t>a</a:t>
-            </a:r>
-            <a:r>
-              <a:rPr b="0" lang="pt-BR" sz="2000" spc="-1" strike="noStrike">
-                <a:solidFill>
-                  <a:srgbClr val="000000"/>
-                </a:solidFill>
-                <a:latin typeface="Arial"/>
-              </a:rPr>
-              <a:t>t</a:t>
-            </a:r>
-            <a:r>
-              <a:rPr b="0" lang="pt-BR" sz="2000" spc="-1" strike="noStrike">
-                <a:solidFill>
-                  <a:srgbClr val="000000"/>
-                </a:solidFill>
-                <a:latin typeface="Arial"/>
-              </a:rPr>
-              <a:t>o</a:t>
-            </a:r>
-            <a:r>
-              <a:rPr b="0" lang="pt-BR" sz="2000" spc="-1" strike="noStrike">
-                <a:solidFill>
-                  <a:srgbClr val="000000"/>
-                </a:solidFill>
-                <a:latin typeface="Arial"/>
-              </a:rPr>
-              <a:t> </a:t>
-            </a:r>
-            <a:r>
-              <a:rPr b="0" lang="pt-BR" sz="2000" spc="-1" strike="noStrike">
-                <a:solidFill>
-                  <a:srgbClr val="000000"/>
-                </a:solidFill>
-                <a:latin typeface="Arial"/>
-              </a:rPr>
-              <a:t>d</a:t>
-            </a:r>
-            <a:r>
-              <a:rPr b="0" lang="pt-BR" sz="2000" spc="-1" strike="noStrike">
-                <a:solidFill>
-                  <a:srgbClr val="000000"/>
-                </a:solidFill>
-                <a:latin typeface="Arial"/>
-              </a:rPr>
-              <a:t>e</a:t>
-            </a:r>
-            <a:r>
-              <a:rPr b="0" lang="pt-BR" sz="2000" spc="-1" strike="noStrike">
-                <a:solidFill>
-                  <a:srgbClr val="000000"/>
-                </a:solidFill>
-                <a:latin typeface="Arial"/>
-              </a:rPr>
-              <a:t> </a:t>
-            </a:r>
-            <a:r>
-              <a:rPr b="0" lang="pt-BR" sz="2000" spc="-1" strike="noStrike">
-                <a:solidFill>
-                  <a:srgbClr val="000000"/>
-                </a:solidFill>
-                <a:latin typeface="Arial"/>
-              </a:rPr>
-              <a:t>n</a:t>
-            </a:r>
-            <a:r>
-              <a:rPr b="0" lang="pt-BR" sz="2000" spc="-1" strike="noStrike">
-                <a:solidFill>
-                  <a:srgbClr val="000000"/>
-                </a:solidFill>
-                <a:latin typeface="Arial"/>
-              </a:rPr>
-              <a:t>o</a:t>
-            </a:r>
-            <a:r>
-              <a:rPr b="0" lang="pt-BR" sz="2000" spc="-1" strike="noStrike">
-                <a:solidFill>
-                  <a:srgbClr val="000000"/>
-                </a:solidFill>
-                <a:latin typeface="Arial"/>
-              </a:rPr>
-              <a:t>t</a:t>
-            </a:r>
-            <a:r>
-              <a:rPr b="0" lang="pt-BR" sz="2000" spc="-1" strike="noStrike">
-                <a:solidFill>
-                  <a:srgbClr val="000000"/>
-                </a:solidFill>
-                <a:latin typeface="Arial"/>
-              </a:rPr>
-              <a:t>a</a:t>
-            </a:r>
-            <a:r>
-              <a:rPr b="0" lang="pt-BR" sz="2000" spc="-1" strike="noStrike">
-                <a:solidFill>
-                  <a:srgbClr val="000000"/>
-                </a:solidFill>
-                <a:latin typeface="Arial"/>
-              </a:rPr>
-              <a:t>s</a:t>
+              <a:t>Clique para editar o formato de notas</a:t>
             </a:r>
             <a:endParaRPr b="0" lang="pt-BR" sz="2000" spc="-1" strike="noStrike">
               <a:solidFill>
@@ -663,7 +339,7 @@
             <a:pPr indent="0" algn="r">
               <a:buNone/>
             </a:pPr>
-            <a:fld id="{422AC05E-B5E2-4348-837E-8AD788FFBAE0}" type="slidenum">
+            <a:fld id="{DB71B225-8838-4F7A-B0CC-EB98560E90FA}" type="slidenum">
               <a:rPr b="0" lang="pt-BR" sz="1400" spc="-1" strike="noStrike">
                 <a:solidFill>
                   <a:srgbClr val="000000"/>
@@ -706,7 +382,7 @@
       </p:grpSpPr>
       <p:sp>
         <p:nvSpPr>
-          <p:cNvPr id="33" name="PlaceHolder 1"/>
+          <p:cNvPr id="35" name="PlaceHolder 1"/>
           <p:cNvSpPr>
             <a:spLocks noGrp="1"/>
           </p:cNvSpPr>
@@ -717,19 +393,19 @@
         <p:spPr>
           <a:xfrm>
             <a:off x="2286000" y="685800"/>
-            <a:ext cx="2284200" cy="3427200"/>
-          </a:xfrm>
-          <a:prstGeom prst="rect">
-            <a:avLst/>
-          </a:prstGeom>
-          <a:ln w="0">
-            <a:noFill/>
-          </a:ln>
-        </p:spPr>
-      </p:sp>
-      <p:sp>
-        <p:nvSpPr>
-          <p:cNvPr id="34" name="PlaceHolder 2"/>
+            <a:ext cx="2283840" cy="3426840"/>
+          </a:xfrm>
+          <a:prstGeom prst="rect">
+            <a:avLst/>
+          </a:prstGeom>
+          <a:ln w="0">
+            <a:noFill/>
+          </a:ln>
+        </p:spPr>
+      </p:sp>
+      <p:sp>
+        <p:nvSpPr>
+          <p:cNvPr id="36" name="PlaceHolder 2"/>
           <p:cNvSpPr>
             <a:spLocks noGrp="1"/>
           </p:cNvSpPr>
@@ -740,7 +416,7 @@
         <p:spPr>
           <a:xfrm>
             <a:off x="685800" y="4343400"/>
-            <a:ext cx="5484600" cy="4113000"/>
+            <a:ext cx="5484240" cy="4112640"/>
           </a:xfrm>
           <a:prstGeom prst="rect">
             <a:avLst/>
@@ -769,7 +445,7 @@
       </p:sp>
       <p:sp>
         <p:nvSpPr>
-          <p:cNvPr id="35" name="PlaceHolder 3"/>
+          <p:cNvPr id="37" name="PlaceHolder 3"/>
           <p:cNvSpPr>
             <a:spLocks noGrp="1"/>
           </p:cNvSpPr>
@@ -780,7 +456,7 @@
         <p:spPr>
           <a:xfrm>
             <a:off x="3884760" y="8685360"/>
-            <a:ext cx="2970000" cy="455400"/>
+            <a:ext cx="2969640" cy="455040"/>
           </a:xfrm>
           <a:prstGeom prst="rect">
             <a:avLst/>
@@ -822,7 +498,7 @@
                 <a:tab algn="l" pos="0"/>
               </a:tabLst>
             </a:pPr>
-            <a:fld id="{9FC27978-D3F1-47B7-A9D9-8B109ED93AE1}" type="slidenum">
+            <a:fld id="{16754048-1443-49F4-B82B-95424BEA4700}" type="slidenum">
               <a:rPr b="0" lang="pt-BR" sz="1200" spc="-1" strike="noStrike">
                 <a:solidFill>
                   <a:srgbClr val="000000"/>
@@ -876,7 +552,7 @@
         <p:spPr>
           <a:xfrm>
             <a:off x="2160720" y="13420440"/>
-            <a:ext cx="24476760" cy="9257760"/>
+            <a:ext cx="24476400" cy="9257400"/>
           </a:xfrm>
           <a:prstGeom prst="rect">
             <a:avLst/>
@@ -977,7 +653,7 @@
         <p:txBody>
           <a:bodyPr/>
           <a:p>
-            <a:fld id="{B7ADC23B-9910-4591-B083-D81C2EB196B4}" type="slidenum">
+            <a:fld id="{378E27C2-EE64-4760-9C8E-AE3823593379}" type="slidenum">
               <a:t>&lt;#&gt;</a:t>
             </a:fld>
           </a:p>
@@ -1046,7 +722,7 @@
         <p:spPr>
           <a:xfrm>
             <a:off x="2160720" y="13420440"/>
-            <a:ext cx="24476760" cy="9257760"/>
+            <a:ext cx="24476400" cy="9257400"/>
           </a:xfrm>
           <a:prstGeom prst="rect">
             <a:avLst/>
@@ -1095,7 +771,7 @@
         <p:spPr>
           <a:xfrm>
             <a:off x="9839160" y="39340440"/>
-            <a:ext cx="9119880" cy="2999160"/>
+            <a:ext cx="9119520" cy="2998800"/>
           </a:xfrm>
           <a:prstGeom prst="rect">
             <a:avLst/>
@@ -1167,7 +843,7 @@
         <p:spPr>
           <a:xfrm>
             <a:off x="20639520" y="39340440"/>
-            <a:ext cx="6720120" cy="2999160"/>
+            <a:ext cx="6719760" cy="2998800"/>
           </a:xfrm>
           <a:prstGeom prst="rect">
             <a:avLst/>
@@ -1208,7 +884,7 @@
                 <a:tab algn="l" pos="0"/>
               </a:tabLst>
             </a:pPr>
-            <a:fld id="{8283162D-5925-4471-A8FE-90E20A03A9FB}" type="slidenum">
+            <a:fld id="{09648A6E-8559-47B6-BD18-30CD8627BB96}" type="slidenum">
               <a:rPr b="0" lang="pt-BR" sz="6260" spc="-1" strike="noStrike">
                 <a:solidFill>
                   <a:schemeClr val="dk1"/>
@@ -1239,7 +915,7 @@
         <p:spPr>
           <a:xfrm>
             <a:off x="1439280" y="39340440"/>
-            <a:ext cx="6720120" cy="2999160"/>
+            <a:ext cx="6719760" cy="2998800"/>
           </a:xfrm>
           <a:prstGeom prst="rect">
             <a:avLst/>
@@ -1325,7 +1001,7 @@
         <p:spPr>
           <a:xfrm>
             <a:off x="25920" y="-339120"/>
-            <a:ext cx="28773000" cy="43177680"/>
+            <a:ext cx="28772640" cy="43177320"/>
           </a:xfrm>
           <a:prstGeom prst="rect">
             <a:avLst/>
@@ -1344,7 +1020,7 @@
         <p:spPr>
           <a:xfrm>
             <a:off x="-36720" y="2706840"/>
-            <a:ext cx="28798560" cy="659160"/>
+            <a:ext cx="28798200" cy="659160"/>
           </a:xfrm>
           <a:prstGeom prst="rect">
             <a:avLst/>
@@ -1408,7 +1084,7 @@
         <p:spPr>
           <a:xfrm>
             <a:off x="690480" y="4992480"/>
-            <a:ext cx="13282920" cy="5718600"/>
+            <a:ext cx="13282560" cy="5718600"/>
           </a:xfrm>
           <a:prstGeom prst="rect">
             <a:avLst/>
@@ -1606,7 +1282,7 @@
         <p:spPr>
           <a:xfrm>
             <a:off x="0" y="-669240"/>
-            <a:ext cx="182880" cy="1337040"/>
+            <a:ext cx="182520" cy="1336680"/>
           </a:xfrm>
           <a:prstGeom prst="rect">
             <a:avLst/>
@@ -1655,7 +1331,7 @@
         <p:spPr>
           <a:xfrm>
             <a:off x="533160" y="1091160"/>
-            <a:ext cx="27922680" cy="2256480"/>
+            <a:ext cx="27922320" cy="2256120"/>
           </a:xfrm>
           <a:prstGeom prst="rect">
             <a:avLst/>
@@ -1706,7 +1382,7 @@
         <p:spPr>
           <a:xfrm>
             <a:off x="1540800" y="288360"/>
-            <a:ext cx="25808040" cy="1617120"/>
+            <a:ext cx="25807680" cy="1616760"/>
           </a:xfrm>
           <a:prstGeom prst="rect">
             <a:avLst/>
@@ -1760,7 +1436,7 @@
         <p:spPr>
           <a:xfrm>
             <a:off x="14653080" y="4992480"/>
-            <a:ext cx="13282920" cy="6349320"/>
+            <a:ext cx="13282560" cy="6349320"/>
           </a:xfrm>
           <a:prstGeom prst="rect">
             <a:avLst/>
@@ -2000,7 +1676,7 @@
         <p:spPr>
           <a:xfrm>
             <a:off x="630360" y="33543360"/>
-            <a:ext cx="13317120" cy="7061760"/>
+            <a:ext cx="13316760" cy="7061760"/>
           </a:xfrm>
           <a:prstGeom prst="rect">
             <a:avLst/>
@@ -2100,7 +1776,7 @@
         <p:spPr>
           <a:xfrm>
             <a:off x="12600" y="3056760"/>
-            <a:ext cx="29590920" cy="1353240"/>
+            <a:ext cx="29590560" cy="1352880"/>
           </a:xfrm>
           <a:prstGeom prst="rect">
             <a:avLst/>
@@ -2154,7 +1830,7 @@
         <p:spPr>
           <a:xfrm>
             <a:off x="14646960" y="33543360"/>
-            <a:ext cx="13317120" cy="5972400"/>
+            <a:ext cx="13316760" cy="5971680"/>
           </a:xfrm>
           <a:prstGeom prst="rect">
             <a:avLst/>
@@ -2346,7 +2022,7 @@
         <p:spPr>
           <a:xfrm>
             <a:off x="7959600" y="10343880"/>
-            <a:ext cx="12867120" cy="1552320"/>
+            <a:ext cx="12866760" cy="1552320"/>
           </a:xfrm>
           <a:prstGeom prst="rect">
             <a:avLst/>
@@ -2440,7 +2116,7 @@
         <p:spPr>
           <a:xfrm>
             <a:off x="122760" y="40356000"/>
-            <a:ext cx="3094200" cy="3113640"/>
+            <a:ext cx="3093840" cy="3113280"/>
           </a:xfrm>
           <a:prstGeom prst="rect">
             <a:avLst/>
@@ -2463,7 +2139,7 @@
         <p:spPr>
           <a:xfrm>
             <a:off x="25801920" y="40382640"/>
-            <a:ext cx="3094200" cy="3103920"/>
+            <a:ext cx="3093840" cy="3103560"/>
           </a:xfrm>
           <a:prstGeom prst="rect">
             <a:avLst/>
@@ -2475,7 +2151,7 @@
       </p:pic>
       <p:pic>
         <p:nvPicPr>
-          <p:cNvPr id="25" name="Imagem 10" descr="Logotipo&#10;&#10;O conteúdo gerado por IA pode estar incorreto."/>
+          <p:cNvPr id="25" name="Imagem 17" descr="Ícone&#10;&#10;O conteúdo gerado por IA pode estar incorreto."/>
           <p:cNvPicPr/>
           <p:nvPr/>
         </p:nvPicPr>
@@ -2485,8 +2161,8 @@
         </p:blipFill>
         <p:spPr>
           <a:xfrm>
-            <a:off x="21780000" y="14580000"/>
-            <a:ext cx="5959800" cy="3078000"/>
+            <a:off x="24289560" y="12409560"/>
+            <a:ext cx="3070440" cy="3070440"/>
           </a:xfrm>
           <a:prstGeom prst="rect">
             <a:avLst/>
@@ -2498,7 +2174,7 @@
       </p:pic>
       <p:pic>
         <p:nvPicPr>
-          <p:cNvPr id="26" name="Imagem 17" descr="Ícone&#10;&#10;O conteúdo gerado por IA pode estar incorreto."/>
+          <p:cNvPr id="26" name="Imagem 18" descr="Ícone&#10;&#10;O conteúdo gerado por IA pode estar incorreto."/>
           <p:cNvPicPr/>
           <p:nvPr/>
         </p:nvPicPr>
@@ -2508,8 +2184,8 @@
         </p:blipFill>
         <p:spPr>
           <a:xfrm>
-            <a:off x="14029560" y="18720000"/>
-            <a:ext cx="5769000" cy="5769000"/>
+            <a:off x="14760000" y="12600000"/>
+            <a:ext cx="3060000" cy="3060000"/>
           </a:xfrm>
           <a:prstGeom prst="rect">
             <a:avLst/>
@@ -2521,7 +2197,7 @@
       </p:pic>
       <p:pic>
         <p:nvPicPr>
-          <p:cNvPr id="27" name="Imagem 18" descr="Ícone&#10;&#10;O conteúdo gerado por IA pode estar incorreto."/>
+          <p:cNvPr id="27" name="" descr=""/>
           <p:cNvPicPr/>
           <p:nvPr/>
         </p:nvPicPr>
@@ -2531,8 +2207,8 @@
         </p:blipFill>
         <p:spPr>
           <a:xfrm>
-            <a:off x="14220000" y="12960000"/>
-            <a:ext cx="5218560" cy="5218560"/>
+            <a:off x="1518840" y="12741120"/>
+            <a:ext cx="10798200" cy="5038200"/>
           </a:xfrm>
           <a:prstGeom prst="rect">
             <a:avLst/>
@@ -2554,8 +2230,8 @@
         </p:blipFill>
         <p:spPr>
           <a:xfrm>
-            <a:off x="1518840" y="12741120"/>
-            <a:ext cx="10798560" cy="5038560"/>
+            <a:off x="1519200" y="19105200"/>
+            <a:ext cx="10913400" cy="5193000"/>
           </a:xfrm>
           <a:prstGeom prst="rect">
             <a:avLst/>
@@ -2577,8 +2253,8 @@
         </p:blipFill>
         <p:spPr>
           <a:xfrm>
-            <a:off x="1519200" y="19105200"/>
-            <a:ext cx="10913760" cy="5193360"/>
+            <a:off x="1519200" y="25560000"/>
+            <a:ext cx="10798200" cy="5038200"/>
           </a:xfrm>
           <a:prstGeom prst="rect">
             <a:avLst/>
@@ -2600,8 +2276,8 @@
         </p:blipFill>
         <p:spPr>
           <a:xfrm>
-            <a:off x="1519200" y="25560000"/>
-            <a:ext cx="10798560" cy="5038560"/>
+            <a:off x="19980000" y="12780000"/>
+            <a:ext cx="2700000" cy="2700000"/>
           </a:xfrm>
           <a:prstGeom prst="rect">
             <a:avLst/>
@@ -2623,8 +2299,8 @@
         </p:blipFill>
         <p:spPr>
           <a:xfrm>
-            <a:off x="21960000" y="18720000"/>
-            <a:ext cx="5525280" cy="5525280"/>
+            <a:off x="20079360" y="14249880"/>
+            <a:ext cx="8360640" cy="6270120"/>
           </a:xfrm>
           <a:prstGeom prst="rect">
             <a:avLst/>
@@ -2646,8 +2322,54 @@
         </p:blipFill>
         <p:spPr>
           <a:xfrm>
-            <a:off x="15338520" y="24490440"/>
-            <a:ext cx="11061000" cy="8295480"/>
+            <a:off x="13375080" y="16171920"/>
+            <a:ext cx="6480000" cy="2624400"/>
+          </a:xfrm>
+          <a:prstGeom prst="rect">
+            <a:avLst/>
+          </a:prstGeom>
+          <a:ln w="0">
+            <a:noFill/>
+          </a:ln>
+        </p:spPr>
+      </p:pic>
+      <p:pic>
+        <p:nvPicPr>
+          <p:cNvPr id="33" name="" descr=""/>
+          <p:cNvPicPr/>
+          <p:nvPr/>
+        </p:nvPicPr>
+        <p:blipFill>
+          <a:blip r:embed="rId12"/>
+          <a:stretch/>
+        </p:blipFill>
+        <p:spPr>
+          <a:xfrm>
+            <a:off x="14940000" y="19105200"/>
+            <a:ext cx="10800000" cy="5040000"/>
+          </a:xfrm>
+          <a:prstGeom prst="rect">
+            <a:avLst/>
+          </a:prstGeom>
+          <a:ln w="0">
+            <a:noFill/>
+          </a:ln>
+        </p:spPr>
+      </p:pic>
+      <p:pic>
+        <p:nvPicPr>
+          <p:cNvPr id="34" name="" descr=""/>
+          <p:cNvPicPr/>
+          <p:nvPr/>
+        </p:nvPicPr>
+        <p:blipFill>
+          <a:blip r:embed="rId13"/>
+          <a:stretch/>
+        </p:blipFill>
+        <p:spPr>
+          <a:xfrm>
+            <a:off x="14940000" y="25380000"/>
+            <a:ext cx="10800000" cy="5040000"/>
           </a:xfrm>
           <a:prstGeom prst="rect">
             <a:avLst/>
